--- a/Doc/Overall architecture1.pptx
+++ b/Doc/Overall architecture1.pptx
@@ -105,6 +105,11 @@
       </a:defRPr>
     </a:lvl9pPr>
   </p:defaultTextStyle>
+  <p:extLst>
+    <p:ext uri="{EFAFB233-063F-42B5-8137-9DF3F51BA10A}">
+      <p15:sldGuideLst xmlns:p15="http://schemas.microsoft.com/office/powerpoint/2012/main"/>
+    </p:ext>
+  </p:extLst>
 </p:presentation>
 </file>
 
@@ -3512,7 +3517,7 @@
         <p:spPr>
           <a:xfrm>
             <a:off x="1524000" y="370937"/>
-            <a:ext cx="9144000" cy="793630"/>
+            <a:ext cx="9144000" cy="656477"/>
           </a:xfrm>
         </p:spPr>
         <p:txBody>
@@ -3657,8 +3662,8 @@
         </p:nvSpPr>
         <p:spPr>
           <a:xfrm>
-            <a:off x="9095541" y="926238"/>
-            <a:ext cx="3224831" cy="5391066"/>
+            <a:off x="9114990" y="985552"/>
+            <a:ext cx="3072019" cy="5391066"/>
           </a:xfrm>
           <a:prstGeom prst="rect">
             <a:avLst/>
@@ -3727,7 +3732,7 @@
         </p:nvSpPr>
         <p:spPr>
           <a:xfrm>
-            <a:off x="9520686" y="1447330"/>
+            <a:off x="9379764" y="1478769"/>
             <a:ext cx="1147314" cy="914400"/>
           </a:xfrm>
           <a:prstGeom prst="rect">
@@ -3771,7 +3776,7 @@
         </p:nvSpPr>
         <p:spPr>
           <a:xfrm>
-            <a:off x="11043253" y="1447330"/>
+            <a:off x="10960738" y="1444445"/>
             <a:ext cx="1124307" cy="914400"/>
           </a:xfrm>
           <a:prstGeom prst="rect">
@@ -3815,7 +3820,7 @@
         </p:nvSpPr>
         <p:spPr>
           <a:xfrm>
-            <a:off x="9509184" y="2817742"/>
+            <a:off x="9404279" y="2803472"/>
             <a:ext cx="1170318" cy="914400"/>
           </a:xfrm>
           <a:prstGeom prst="rect">
@@ -5318,16 +5323,16 @@
           <a:lstStyle/>
           <a:p>
             <a:r>
-              <a:rPr lang="en-US" dirty="0" err="1" smtClean="0"/>
-              <a:t>Student</a:t>
-            </a:r>
-            <a:r>
-              <a:rPr lang="en-US" dirty="0" err="1"/>
-              <a:t>View</a:t>
-            </a:r>
-            <a:endParaRPr lang="en-US" dirty="0"/>
-          </a:p>
-          <a:p>
+              <a:rPr lang="en-US" smtClean="0"/>
+              <a:t>StudentView</a:t>
+            </a:r>
+            <a:endParaRPr lang="en-US" dirty="0"/>
+          </a:p>
+          <a:p>
+            <a:r>
+              <a:rPr lang="en-US" dirty="0" smtClean="0"/>
+              <a:t> </a:t>
+            </a:r>
             <a:endParaRPr lang="en-US" dirty="0"/>
           </a:p>
         </p:txBody>
